--- a/ppt/proteomics 9313 isme 14_6_2020 david reanalysis.pptx
+++ b/ppt/proteomics 9313 isme 14_6_2020 david reanalysis.pptx
@@ -970,10 +970,10 @@
         <a:lstStyle/>
         <a:p>
           <a:r>
-            <a:rPr lang="en-US"/>
+            <a:rPr lang="en-US" dirty="0"/>
             <a:t>Detect in proteomics </a:t>
           </a:r>
-          <a:endParaRPr lang="en-IL"/>
+          <a:endParaRPr lang="en-IL" dirty="0"/>
         </a:p>
       </dgm:t>
     </dgm:pt>
@@ -1089,10 +1089,10 @@
         <a:lstStyle/>
         <a:p>
           <a:r>
-            <a:rPr lang="en-US"/>
+            <a:rPr lang="en-US" dirty="0"/>
             <a:t>Select &lt; 100 aa</a:t>
           </a:r>
-          <a:endParaRPr lang="en-IL"/>
+          <a:endParaRPr lang="en-IL" dirty="0"/>
         </a:p>
       </dgm:t>
     </dgm:pt>
@@ -1679,10 +1679,10 @@
             <a:buNone/>
           </a:pPr>
           <a:r>
-            <a:rPr lang="en-US" sz="1800" kern="1200"/>
+            <a:rPr lang="en-US" sz="1800" kern="1200" dirty="0"/>
             <a:t>Detect in proteomics </a:t>
           </a:r>
-          <a:endParaRPr lang="en-IL" sz="1800" kern="1200"/>
+          <a:endParaRPr lang="en-IL" sz="1800" kern="1200" dirty="0"/>
         </a:p>
       </dsp:txBody>
       <dsp:txXfrm>
@@ -1848,10 +1848,10 @@
             <a:buNone/>
           </a:pPr>
           <a:r>
-            <a:rPr lang="en-US" sz="1800" kern="1200"/>
+            <a:rPr lang="en-US" sz="1800" kern="1200" dirty="0"/>
             <a:t>Select &lt; 100 aa</a:t>
           </a:r>
-          <a:endParaRPr lang="en-IL" sz="1800" kern="1200"/>
+          <a:endParaRPr lang="en-IL" sz="1800" kern="1200" dirty="0"/>
         </a:p>
       </dsp:txBody>
       <dsp:txXfrm>
@@ -3425,7 +3425,7 @@
           <a:p>
             <a:fld id="{2820B64D-054A-4877-B55D-54F10477ADC5}" type="datetimeFigureOut">
               <a:rPr lang="LID4096" smtClean="0"/>
-              <a:t>06/14/2020</a:t>
+              <a:t>08/30/2020</a:t>
             </a:fld>
             <a:endParaRPr lang="LID4096"/>
           </a:p>
@@ -3625,7 +3625,7 @@
           <a:p>
             <a:fld id="{2820B64D-054A-4877-B55D-54F10477ADC5}" type="datetimeFigureOut">
               <a:rPr lang="LID4096" smtClean="0"/>
-              <a:t>06/14/2020</a:t>
+              <a:t>08/30/2020</a:t>
             </a:fld>
             <a:endParaRPr lang="LID4096"/>
           </a:p>
@@ -3835,7 +3835,7 @@
           <a:p>
             <a:fld id="{2820B64D-054A-4877-B55D-54F10477ADC5}" type="datetimeFigureOut">
               <a:rPr lang="LID4096" smtClean="0"/>
-              <a:t>06/14/2020</a:t>
+              <a:t>08/30/2020</a:t>
             </a:fld>
             <a:endParaRPr lang="LID4096"/>
           </a:p>
@@ -4035,7 +4035,7 @@
           <a:p>
             <a:fld id="{2820B64D-054A-4877-B55D-54F10477ADC5}" type="datetimeFigureOut">
               <a:rPr lang="LID4096" smtClean="0"/>
-              <a:t>06/14/2020</a:t>
+              <a:t>08/30/2020</a:t>
             </a:fld>
             <a:endParaRPr lang="LID4096"/>
           </a:p>
@@ -4311,7 +4311,7 @@
           <a:p>
             <a:fld id="{2820B64D-054A-4877-B55D-54F10477ADC5}" type="datetimeFigureOut">
               <a:rPr lang="LID4096" smtClean="0"/>
-              <a:t>06/14/2020</a:t>
+              <a:t>08/30/2020</a:t>
             </a:fld>
             <a:endParaRPr lang="LID4096"/>
           </a:p>
@@ -4579,7 +4579,7 @@
           <a:p>
             <a:fld id="{2820B64D-054A-4877-B55D-54F10477ADC5}" type="datetimeFigureOut">
               <a:rPr lang="LID4096" smtClean="0"/>
-              <a:t>06/14/2020</a:t>
+              <a:t>08/30/2020</a:t>
             </a:fld>
             <a:endParaRPr lang="LID4096"/>
           </a:p>
@@ -4994,7 +4994,7 @@
           <a:p>
             <a:fld id="{2820B64D-054A-4877-B55D-54F10477ADC5}" type="datetimeFigureOut">
               <a:rPr lang="LID4096" smtClean="0"/>
-              <a:t>06/14/2020</a:t>
+              <a:t>08/30/2020</a:t>
             </a:fld>
             <a:endParaRPr lang="LID4096"/>
           </a:p>
@@ -5136,7 +5136,7 @@
           <a:p>
             <a:fld id="{2820B64D-054A-4877-B55D-54F10477ADC5}" type="datetimeFigureOut">
               <a:rPr lang="LID4096" smtClean="0"/>
-              <a:t>06/14/2020</a:t>
+              <a:t>08/30/2020</a:t>
             </a:fld>
             <a:endParaRPr lang="LID4096"/>
           </a:p>
@@ -5249,7 +5249,7 @@
           <a:p>
             <a:fld id="{2820B64D-054A-4877-B55D-54F10477ADC5}" type="datetimeFigureOut">
               <a:rPr lang="LID4096" smtClean="0"/>
-              <a:t>06/14/2020</a:t>
+              <a:t>08/30/2020</a:t>
             </a:fld>
             <a:endParaRPr lang="LID4096"/>
           </a:p>
@@ -5562,7 +5562,7 @@
           <a:p>
             <a:fld id="{2820B64D-054A-4877-B55D-54F10477ADC5}" type="datetimeFigureOut">
               <a:rPr lang="LID4096" smtClean="0"/>
-              <a:t>06/14/2020</a:t>
+              <a:t>08/30/2020</a:t>
             </a:fld>
             <a:endParaRPr lang="LID4096"/>
           </a:p>
@@ -5851,7 +5851,7 @@
           <a:p>
             <a:fld id="{2820B64D-054A-4877-B55D-54F10477ADC5}" type="datetimeFigureOut">
               <a:rPr lang="LID4096" smtClean="0"/>
-              <a:t>06/14/2020</a:t>
+              <a:t>08/30/2020</a:t>
             </a:fld>
             <a:endParaRPr lang="LID4096"/>
           </a:p>
@@ -6094,7 +6094,7 @@
           <a:p>
             <a:fld id="{2820B64D-054A-4877-B55D-54F10477ADC5}" type="datetimeFigureOut">
               <a:rPr lang="LID4096" smtClean="0"/>
-              <a:t>06/14/2020</a:t>
+              <a:t>08/30/2020</a:t>
             </a:fld>
             <a:endParaRPr lang="LID4096"/>
           </a:p>
@@ -14008,7 +14008,7 @@
                     <a:lstStyle/>
                     <a:p>
                       <a:pPr algn="l" fontAlgn="b"/>
-                      <a:endParaRPr lang="en-IL" sz="1200" b="0" i="0" u="none" strike="noStrike">
+                      <a:endParaRPr lang="en-IL" sz="1200" b="0" i="0" u="none" strike="noStrike" dirty="0">
                         <a:solidFill>
                           <a:srgbClr val="000000"/>
                         </a:solidFill>
@@ -22980,6 +22980,50 @@
               <a:t> </a:t>
             </a:r>
             <a:endParaRPr lang="LID4096" dirty="0"/>
+          </a:p>
+        </p:txBody>
+      </p:sp>
+      <p:sp>
+        <p:nvSpPr>
+          <p:cNvPr id="4" name="TextBox 3">
+            <a:extLst>
+              <a:ext uri="{FF2B5EF4-FFF2-40B4-BE49-F238E27FC236}">
+                <a16:creationId xmlns:a16="http://schemas.microsoft.com/office/drawing/2014/main" id="{CD789240-A28C-42F3-86C2-B5782EB3BA23}"/>
+              </a:ext>
+            </a:extLst>
+          </p:cNvPr>
+          <p:cNvSpPr txBox="1"/>
+          <p:nvPr/>
+        </p:nvSpPr>
+        <p:spPr>
+          <a:xfrm>
+            <a:off x="11045810" y="153680"/>
+            <a:ext cx="518091" cy="1323439"/>
+          </a:xfrm>
+          <a:prstGeom prst="rect">
+            <a:avLst/>
+          </a:prstGeom>
+          <a:noFill/>
+        </p:spPr>
+        <p:txBody>
+          <a:bodyPr wrap="none" rtlCol="0">
+            <a:spAutoFit/>
+          </a:bodyPr>
+          <a:lstStyle/>
+          <a:p>
+            <a:r>
+              <a:rPr lang="en-US" sz="8000" dirty="0">
+                <a:solidFill>
+                  <a:srgbClr val="FF0000"/>
+                </a:solidFill>
+              </a:rPr>
+              <a:t>!</a:t>
+            </a:r>
+            <a:endParaRPr lang="LID4096" sz="8000" dirty="0">
+              <a:solidFill>
+                <a:srgbClr val="FF0000"/>
+              </a:solidFill>
+            </a:endParaRPr>
           </a:p>
         </p:txBody>
       </p:sp>
@@ -24091,7 +24135,7 @@
         </p:blipFill>
         <p:spPr bwMode="auto">
           <a:xfrm>
-            <a:off x="6402344" y="3291840"/>
+            <a:off x="6402344" y="3521075"/>
             <a:ext cx="4314825" cy="2686050"/>
           </a:xfrm>
           <a:prstGeom prst="rect">
@@ -24109,6 +24153,94 @@
           </a:extLst>
         </p:spPr>
       </p:pic>
+      <p:sp>
+        <p:nvSpPr>
+          <p:cNvPr id="3" name="TextBox 2">
+            <a:extLst>
+              <a:ext uri="{FF2B5EF4-FFF2-40B4-BE49-F238E27FC236}">
+                <a16:creationId xmlns:a16="http://schemas.microsoft.com/office/drawing/2014/main" id="{48C537BC-2F6E-4F08-98CA-E64C981C55C5}"/>
+              </a:ext>
+            </a:extLst>
+          </p:cNvPr>
+          <p:cNvSpPr txBox="1"/>
+          <p:nvPr/>
+        </p:nvSpPr>
+        <p:spPr>
+          <a:xfrm>
+            <a:off x="291993" y="4180114"/>
+            <a:ext cx="1020023" cy="369332"/>
+          </a:xfrm>
+          <a:prstGeom prst="rect">
+            <a:avLst/>
+          </a:prstGeom>
+          <a:noFill/>
+        </p:spPr>
+        <p:txBody>
+          <a:bodyPr wrap="none" rtlCol="0">
+            <a:spAutoFit/>
+          </a:bodyPr>
+          <a:lstStyle/>
+          <a:p>
+            <a:r>
+              <a:rPr lang="en-US" dirty="0">
+                <a:highlight>
+                  <a:srgbClr val="FFFF00"/>
+                </a:highlight>
+              </a:rPr>
+              <a:t>detected</a:t>
+            </a:r>
+            <a:endParaRPr lang="LID4096" dirty="0">
+              <a:highlight>
+                <a:srgbClr val="FFFF00"/>
+              </a:highlight>
+            </a:endParaRPr>
+          </a:p>
+        </p:txBody>
+      </p:sp>
+      <p:sp>
+        <p:nvSpPr>
+          <p:cNvPr id="4" name="TextBox 3">
+            <a:extLst>
+              <a:ext uri="{FF2B5EF4-FFF2-40B4-BE49-F238E27FC236}">
+                <a16:creationId xmlns:a16="http://schemas.microsoft.com/office/drawing/2014/main" id="{FA690CBF-A4BE-429F-A400-ED566E13B662}"/>
+              </a:ext>
+            </a:extLst>
+          </p:cNvPr>
+          <p:cNvSpPr txBox="1"/>
+          <p:nvPr/>
+        </p:nvSpPr>
+        <p:spPr>
+          <a:xfrm>
+            <a:off x="253573" y="1552175"/>
+            <a:ext cx="958147" cy="369332"/>
+          </a:xfrm>
+          <a:prstGeom prst="rect">
+            <a:avLst/>
+          </a:prstGeom>
+          <a:noFill/>
+        </p:spPr>
+        <p:txBody>
+          <a:bodyPr wrap="none" rtlCol="0">
+            <a:spAutoFit/>
+          </a:bodyPr>
+          <a:lstStyle/>
+          <a:p>
+            <a:r>
+              <a:rPr lang="en-US" dirty="0">
+                <a:highlight>
+                  <a:srgbClr val="FFFF00"/>
+                </a:highlight>
+              </a:rPr>
+              <a:t>putative</a:t>
+            </a:r>
+            <a:endParaRPr lang="LID4096" dirty="0">
+              <a:highlight>
+                <a:srgbClr val="FFFF00"/>
+              </a:highlight>
+            </a:endParaRPr>
+          </a:p>
+        </p:txBody>
+      </p:sp>
     </p:spTree>
     <p:extLst>
       <p:ext uri="{BB962C8B-B14F-4D97-AF65-F5344CB8AC3E}">
